--- a/資工系衛生間衛生紙系統管理系統海报.pptx
+++ b/資工系衛生間衛生紙系統管理系統海报.pptx
@@ -6382,7 +6382,7 @@
                 <a:ea typeface="DFKai-SB" panose="03000509000000000000" pitchFamily="65" charset="-120"/>
                 <a:cs typeface="SimSun" panose="02010600030101010101" pitchFamily="2" charset="-122"/>
               </a:rPr>
-              <a:t> 資工係衛生間</a:t>
+              <a:t> 資工系衛生間</a:t>
             </a:r>
             <a:r>
               <a:rPr lang="zh-TW" altLang="zh-TW" sz="4000" b="1" dirty="0">
